--- a/Project_description.pptx
+++ b/Project_description.pptx
@@ -63,13 +63,13 @@
         </a:solidFill>
         <a:effectLst/>
         <a:uFillTx/>
-        <a:latin typeface="+mn-lt"/>
-        <a:ea typeface="+mn-ea"/>
-        <a:cs typeface="+mn-cs"/>
+        <a:latin typeface="Helvetica Light"/>
+        <a:ea typeface="Helvetica Light"/>
+        <a:cs typeface="Helvetica Light"/>
         <a:sym typeface="Helvetica Light"/>
       </a:defRPr>
     </a:lvl1pPr>
-    <a:lvl2pPr marL="0" marR="0" indent="228600" algn="ctr" defTabSz="584200" rtl="0" fontAlgn="auto" latinLnBrk="0" hangingPunct="0">
+    <a:lvl2pPr marL="0" marR="0" indent="0" algn="ctr" defTabSz="584200" rtl="0" fontAlgn="auto" latinLnBrk="0" hangingPunct="0">
       <a:lnSpc>
         <a:spcPct val="100000"/>
       </a:lnSpc>
@@ -93,13 +93,13 @@
         </a:solidFill>
         <a:effectLst/>
         <a:uFillTx/>
-        <a:latin typeface="+mn-lt"/>
-        <a:ea typeface="+mn-ea"/>
-        <a:cs typeface="+mn-cs"/>
+        <a:latin typeface="Helvetica Light"/>
+        <a:ea typeface="Helvetica Light"/>
+        <a:cs typeface="Helvetica Light"/>
         <a:sym typeface="Helvetica Light"/>
       </a:defRPr>
     </a:lvl2pPr>
-    <a:lvl3pPr marL="0" marR="0" indent="457200" algn="ctr" defTabSz="584200" rtl="0" fontAlgn="auto" latinLnBrk="0" hangingPunct="0">
+    <a:lvl3pPr marL="0" marR="0" indent="0" algn="ctr" defTabSz="584200" rtl="0" fontAlgn="auto" latinLnBrk="0" hangingPunct="0">
       <a:lnSpc>
         <a:spcPct val="100000"/>
       </a:lnSpc>
@@ -123,13 +123,13 @@
         </a:solidFill>
         <a:effectLst/>
         <a:uFillTx/>
-        <a:latin typeface="+mn-lt"/>
-        <a:ea typeface="+mn-ea"/>
-        <a:cs typeface="+mn-cs"/>
+        <a:latin typeface="Helvetica Light"/>
+        <a:ea typeface="Helvetica Light"/>
+        <a:cs typeface="Helvetica Light"/>
         <a:sym typeface="Helvetica Light"/>
       </a:defRPr>
     </a:lvl3pPr>
-    <a:lvl4pPr marL="0" marR="0" indent="685800" algn="ctr" defTabSz="584200" rtl="0" fontAlgn="auto" latinLnBrk="0" hangingPunct="0">
+    <a:lvl4pPr marL="0" marR="0" indent="0" algn="ctr" defTabSz="584200" rtl="0" fontAlgn="auto" latinLnBrk="0" hangingPunct="0">
       <a:lnSpc>
         <a:spcPct val="100000"/>
       </a:lnSpc>
@@ -153,13 +153,13 @@
         </a:solidFill>
         <a:effectLst/>
         <a:uFillTx/>
-        <a:latin typeface="+mn-lt"/>
-        <a:ea typeface="+mn-ea"/>
-        <a:cs typeface="+mn-cs"/>
+        <a:latin typeface="Helvetica Light"/>
+        <a:ea typeface="Helvetica Light"/>
+        <a:cs typeface="Helvetica Light"/>
         <a:sym typeface="Helvetica Light"/>
       </a:defRPr>
     </a:lvl4pPr>
-    <a:lvl5pPr marL="0" marR="0" indent="914400" algn="ctr" defTabSz="584200" rtl="0" fontAlgn="auto" latinLnBrk="0" hangingPunct="0">
+    <a:lvl5pPr marL="0" marR="0" indent="0" algn="ctr" defTabSz="584200" rtl="0" fontAlgn="auto" latinLnBrk="0" hangingPunct="0">
       <a:lnSpc>
         <a:spcPct val="100000"/>
       </a:lnSpc>
@@ -183,13 +183,13 @@
         </a:solidFill>
         <a:effectLst/>
         <a:uFillTx/>
-        <a:latin typeface="+mn-lt"/>
-        <a:ea typeface="+mn-ea"/>
-        <a:cs typeface="+mn-cs"/>
+        <a:latin typeface="Helvetica Light"/>
+        <a:ea typeface="Helvetica Light"/>
+        <a:cs typeface="Helvetica Light"/>
         <a:sym typeface="Helvetica Light"/>
       </a:defRPr>
     </a:lvl5pPr>
-    <a:lvl6pPr marL="0" marR="0" indent="1143000" algn="ctr" defTabSz="584200" rtl="0" fontAlgn="auto" latinLnBrk="0" hangingPunct="0">
+    <a:lvl6pPr marL="0" marR="0" indent="0" algn="ctr" defTabSz="584200" rtl="0" fontAlgn="auto" latinLnBrk="0" hangingPunct="0">
       <a:lnSpc>
         <a:spcPct val="100000"/>
       </a:lnSpc>
@@ -213,13 +213,13 @@
         </a:solidFill>
         <a:effectLst/>
         <a:uFillTx/>
-        <a:latin typeface="+mn-lt"/>
-        <a:ea typeface="+mn-ea"/>
-        <a:cs typeface="+mn-cs"/>
+        <a:latin typeface="Helvetica Light"/>
+        <a:ea typeface="Helvetica Light"/>
+        <a:cs typeface="Helvetica Light"/>
         <a:sym typeface="Helvetica Light"/>
       </a:defRPr>
     </a:lvl6pPr>
-    <a:lvl7pPr marL="0" marR="0" indent="1371600" algn="ctr" defTabSz="584200" rtl="0" fontAlgn="auto" latinLnBrk="0" hangingPunct="0">
+    <a:lvl7pPr marL="0" marR="0" indent="0" algn="ctr" defTabSz="584200" rtl="0" fontAlgn="auto" latinLnBrk="0" hangingPunct="0">
       <a:lnSpc>
         <a:spcPct val="100000"/>
       </a:lnSpc>
@@ -243,13 +243,13 @@
         </a:solidFill>
         <a:effectLst/>
         <a:uFillTx/>
-        <a:latin typeface="+mn-lt"/>
-        <a:ea typeface="+mn-ea"/>
-        <a:cs typeface="+mn-cs"/>
+        <a:latin typeface="Helvetica Light"/>
+        <a:ea typeface="Helvetica Light"/>
+        <a:cs typeface="Helvetica Light"/>
         <a:sym typeface="Helvetica Light"/>
       </a:defRPr>
     </a:lvl7pPr>
-    <a:lvl8pPr marL="0" marR="0" indent="1600200" algn="ctr" defTabSz="584200" rtl="0" fontAlgn="auto" latinLnBrk="0" hangingPunct="0">
+    <a:lvl8pPr marL="0" marR="0" indent="0" algn="ctr" defTabSz="584200" rtl="0" fontAlgn="auto" latinLnBrk="0" hangingPunct="0">
       <a:lnSpc>
         <a:spcPct val="100000"/>
       </a:lnSpc>
@@ -273,13 +273,13 @@
         </a:solidFill>
         <a:effectLst/>
         <a:uFillTx/>
-        <a:latin typeface="+mn-lt"/>
-        <a:ea typeface="+mn-ea"/>
-        <a:cs typeface="+mn-cs"/>
+        <a:latin typeface="Helvetica Light"/>
+        <a:ea typeface="Helvetica Light"/>
+        <a:cs typeface="Helvetica Light"/>
         <a:sym typeface="Helvetica Light"/>
       </a:defRPr>
     </a:lvl8pPr>
-    <a:lvl9pPr marL="0" marR="0" indent="1828800" algn="ctr" defTabSz="584200" rtl="0" fontAlgn="auto" latinLnBrk="0" hangingPunct="0">
+    <a:lvl9pPr marL="0" marR="0" indent="0" algn="ctr" defTabSz="584200" rtl="0" fontAlgn="auto" latinLnBrk="0" hangingPunct="0">
       <a:lnSpc>
         <a:spcPct val="100000"/>
       </a:lnSpc>
@@ -303,9 +303,9 @@
         </a:solidFill>
         <a:effectLst/>
         <a:uFillTx/>
-        <a:latin typeface="+mn-lt"/>
-        <a:ea typeface="+mn-ea"/>
-        <a:cs typeface="+mn-cs"/>
+        <a:latin typeface="Helvetica Light"/>
+        <a:ea typeface="Helvetica Light"/>
+        <a:cs typeface="Helvetica Light"/>
         <a:sym typeface="Helvetica Light"/>
       </a:defRPr>
     </a:lvl9pPr>
@@ -393,9 +393,9 @@
         <a:spcPct val="117999"/>
       </a:lnSpc>
       <a:defRPr sz="2200">
-        <a:latin typeface="Helvetica Neue"/>
-        <a:ea typeface="Helvetica Neue"/>
-        <a:cs typeface="Helvetica Neue"/>
+        <a:latin typeface="+mj-lt"/>
+        <a:ea typeface="+mj-ea"/>
+        <a:cs typeface="+mj-cs"/>
         <a:sym typeface="Helvetica Neue"/>
       </a:defRPr>
     </a:lvl1pPr>
@@ -404,9 +404,9 @@
         <a:spcPct val="117999"/>
       </a:lnSpc>
       <a:defRPr sz="2200">
-        <a:latin typeface="Helvetica Neue"/>
-        <a:ea typeface="Helvetica Neue"/>
-        <a:cs typeface="Helvetica Neue"/>
+        <a:latin typeface="+mj-lt"/>
+        <a:ea typeface="+mj-ea"/>
+        <a:cs typeface="+mj-cs"/>
         <a:sym typeface="Helvetica Neue"/>
       </a:defRPr>
     </a:lvl2pPr>
@@ -415,9 +415,9 @@
         <a:spcPct val="117999"/>
       </a:lnSpc>
       <a:defRPr sz="2200">
-        <a:latin typeface="Helvetica Neue"/>
-        <a:ea typeface="Helvetica Neue"/>
-        <a:cs typeface="Helvetica Neue"/>
+        <a:latin typeface="+mj-lt"/>
+        <a:ea typeface="+mj-ea"/>
+        <a:cs typeface="+mj-cs"/>
         <a:sym typeface="Helvetica Neue"/>
       </a:defRPr>
     </a:lvl3pPr>
@@ -426,9 +426,9 @@
         <a:spcPct val="117999"/>
       </a:lnSpc>
       <a:defRPr sz="2200">
-        <a:latin typeface="Helvetica Neue"/>
-        <a:ea typeface="Helvetica Neue"/>
-        <a:cs typeface="Helvetica Neue"/>
+        <a:latin typeface="+mj-lt"/>
+        <a:ea typeface="+mj-ea"/>
+        <a:cs typeface="+mj-cs"/>
         <a:sym typeface="Helvetica Neue"/>
       </a:defRPr>
     </a:lvl4pPr>
@@ -437,9 +437,9 @@
         <a:spcPct val="117999"/>
       </a:lnSpc>
       <a:defRPr sz="2200">
-        <a:latin typeface="Helvetica Neue"/>
-        <a:ea typeface="Helvetica Neue"/>
-        <a:cs typeface="Helvetica Neue"/>
+        <a:latin typeface="+mj-lt"/>
+        <a:ea typeface="+mj-ea"/>
+        <a:cs typeface="+mj-cs"/>
         <a:sym typeface="Helvetica Neue"/>
       </a:defRPr>
     </a:lvl5pPr>
@@ -448,9 +448,9 @@
         <a:spcPct val="117999"/>
       </a:lnSpc>
       <a:defRPr sz="2200">
-        <a:latin typeface="Helvetica Neue"/>
-        <a:ea typeface="Helvetica Neue"/>
-        <a:cs typeface="Helvetica Neue"/>
+        <a:latin typeface="+mj-lt"/>
+        <a:ea typeface="+mj-ea"/>
+        <a:cs typeface="+mj-cs"/>
         <a:sym typeface="Helvetica Neue"/>
       </a:defRPr>
     </a:lvl6pPr>
@@ -459,9 +459,9 @@
         <a:spcPct val="117999"/>
       </a:lnSpc>
       <a:defRPr sz="2200">
-        <a:latin typeface="Helvetica Neue"/>
-        <a:ea typeface="Helvetica Neue"/>
-        <a:cs typeface="Helvetica Neue"/>
+        <a:latin typeface="+mj-lt"/>
+        <a:ea typeface="+mj-ea"/>
+        <a:cs typeface="+mj-cs"/>
         <a:sym typeface="Helvetica Neue"/>
       </a:defRPr>
     </a:lvl7pPr>
@@ -470,9 +470,9 @@
         <a:spcPct val="117999"/>
       </a:lnSpc>
       <a:defRPr sz="2200">
-        <a:latin typeface="Helvetica Neue"/>
-        <a:ea typeface="Helvetica Neue"/>
-        <a:cs typeface="Helvetica Neue"/>
+        <a:latin typeface="+mj-lt"/>
+        <a:ea typeface="+mj-ea"/>
+        <a:cs typeface="+mj-cs"/>
         <a:sym typeface="Helvetica Neue"/>
       </a:defRPr>
     </a:lvl8pPr>
@@ -481,9 +481,9 @@
         <a:spcPct val="117999"/>
       </a:lnSpc>
       <a:defRPr sz="2200">
-        <a:latin typeface="Helvetica Neue"/>
-        <a:ea typeface="Helvetica Neue"/>
-        <a:cs typeface="Helvetica Neue"/>
+        <a:latin typeface="+mj-lt"/>
+        <a:ea typeface="+mj-ea"/>
+        <a:cs typeface="+mj-cs"/>
         <a:sym typeface="Helvetica Neue"/>
       </a:defRPr>
     </a:lvl9pPr>
@@ -564,7 +564,7 @@
               <a:buNone/>
               <a:defRPr sz="3200"/>
             </a:lvl1pPr>
-            <a:lvl2pPr marL="0" indent="228600" algn="ctr">
+            <a:lvl2pPr marL="0" indent="0" algn="ctr">
               <a:spcBef>
                 <a:spcPts val="0"/>
               </a:spcBef>
@@ -572,7 +572,7 @@
               <a:buNone/>
               <a:defRPr sz="3200"/>
             </a:lvl2pPr>
-            <a:lvl3pPr marL="0" indent="457200" algn="ctr">
+            <a:lvl3pPr marL="0" indent="0" algn="ctr">
               <a:spcBef>
                 <a:spcPts val="0"/>
               </a:spcBef>
@@ -580,7 +580,7 @@
               <a:buNone/>
               <a:defRPr sz="3200"/>
             </a:lvl3pPr>
-            <a:lvl4pPr marL="0" indent="685800" algn="ctr">
+            <a:lvl4pPr marL="0" indent="0" algn="ctr">
               <a:spcBef>
                 <a:spcPts val="0"/>
               </a:spcBef>
@@ -588,7 +588,7 @@
               <a:buNone/>
               <a:defRPr sz="3200"/>
             </a:lvl4pPr>
-            <a:lvl5pPr marL="0" indent="914400" algn="ctr">
+            <a:lvl5pPr marL="0" indent="0" algn="ctr">
               <a:spcBef>
                 <a:spcPts val="0"/>
               </a:spcBef>
@@ -682,7 +682,7 @@
           <p:cNvPr id="93" name="Shape 93"/>
           <p:cNvSpPr/>
           <p:nvPr>
-            <p:ph type="body" sz="quarter" idx="13"/>
+            <p:ph type="body" sz="quarter" idx="1"/>
           </p:nvPr>
         </p:nvSpPr>
         <p:spPr>
@@ -695,9 +695,7 @@
           </a:prstGeom>
         </p:spPr>
         <p:txBody>
-          <a:bodyPr anchor="t">
-            <a:spAutoFit/>
-          </a:bodyPr>
+          <a:bodyPr anchor="t"/>
           <a:lstStyle>
             <a:lvl1pPr marL="0" indent="0" algn="ctr">
               <a:spcBef>
@@ -706,17 +704,85 @@
               <a:buSzTx/>
               <a:buNone/>
               <a:defRPr sz="2400">
-                <a:latin typeface="Helvetica"/>
-                <a:ea typeface="Helvetica"/>
-                <a:cs typeface="Helvetica"/>
+                <a:latin typeface="+mn-lt"/>
+                <a:ea typeface="+mn-ea"/>
+                <a:cs typeface="+mn-cs"/>
                 <a:sym typeface="Helvetica"/>
               </a:defRPr>
             </a:lvl1pPr>
+            <a:lvl2pPr marL="740833" indent="-296333" algn="ctr">
+              <a:spcBef>
+                <a:spcPts val="0"/>
+              </a:spcBef>
+              <a:defRPr sz="2400">
+                <a:latin typeface="+mn-lt"/>
+                <a:ea typeface="+mn-ea"/>
+                <a:cs typeface="+mn-cs"/>
+                <a:sym typeface="Helvetica"/>
+              </a:defRPr>
+            </a:lvl2pPr>
+            <a:lvl3pPr marL="1185333" indent="-296333" algn="ctr">
+              <a:spcBef>
+                <a:spcPts val="0"/>
+              </a:spcBef>
+              <a:defRPr sz="2400">
+                <a:latin typeface="+mn-lt"/>
+                <a:ea typeface="+mn-ea"/>
+                <a:cs typeface="+mn-cs"/>
+                <a:sym typeface="Helvetica"/>
+              </a:defRPr>
+            </a:lvl3pPr>
+            <a:lvl4pPr marL="1629833" indent="-296333" algn="ctr">
+              <a:spcBef>
+                <a:spcPts val="0"/>
+              </a:spcBef>
+              <a:defRPr sz="2400">
+                <a:latin typeface="+mn-lt"/>
+                <a:ea typeface="+mn-ea"/>
+                <a:cs typeface="+mn-cs"/>
+                <a:sym typeface="Helvetica"/>
+              </a:defRPr>
+            </a:lvl4pPr>
+            <a:lvl5pPr marL="2074333" indent="-296333" algn="ctr">
+              <a:spcBef>
+                <a:spcPts val="0"/>
+              </a:spcBef>
+              <a:defRPr sz="2400">
+                <a:latin typeface="+mn-lt"/>
+                <a:ea typeface="+mn-ea"/>
+                <a:cs typeface="+mn-cs"/>
+                <a:sym typeface="Helvetica"/>
+              </a:defRPr>
+            </a:lvl5pPr>
           </a:lstStyle>
           <a:p>
             <a:pPr/>
             <a:r>
-              <a:t>–Johnny Appleseed</a:t>
+              <a:t>Body Level One</a:t>
+            </a:r>
+          </a:p>
+          <a:p>
+            <a:pPr lvl="1"/>
+            <a:r>
+              <a:t>Body Level Two</a:t>
+            </a:r>
+          </a:p>
+          <a:p>
+            <a:pPr lvl="2"/>
+            <a:r>
+              <a:t>Body Level Three</a:t>
+            </a:r>
+          </a:p>
+          <a:p>
+            <a:pPr lvl="3"/>
+            <a:r>
+              <a:t>Body Level Four</a:t>
+            </a:r>
+          </a:p>
+          <a:p>
+            <a:pPr lvl="4"/>
+            <a:r>
+              <a:t>Body Level Five</a:t>
             </a:r>
           </a:p>
         </p:txBody>
@@ -726,7 +792,7 @@
           <p:cNvPr id="94" name="Shape 94"/>
           <p:cNvSpPr/>
           <p:nvPr>
-            <p:ph type="body" sz="quarter" idx="14"/>
+            <p:ph type="body" sz="quarter" idx="13"/>
           </p:nvPr>
         </p:nvSpPr>
         <p:spPr>
@@ -739,24 +805,17 @@
           </a:prstGeom>
         </p:spPr>
         <p:txBody>
-          <a:bodyPr>
-            <a:spAutoFit/>
-          </a:bodyPr>
-          <a:lstStyle>
-            <a:lvl1pPr marL="0" indent="0" algn="ctr">
+          <a:bodyPr/>
+          <a:lstStyle/>
+          <a:p>
+            <a:pPr marL="0" indent="0" algn="ctr">
               <a:spcBef>
                 <a:spcPts val="0"/>
               </a:spcBef>
               <a:buSzTx/>
               <a:buNone/>
               <a:defRPr sz="3800"/>
-            </a:lvl1pPr>
-          </a:lstStyle>
-          <a:p>
-            <a:pPr/>
-            <a:r>
-              <a:t>“Type a quote here.” </a:t>
-            </a:r>
+            </a:pPr>
           </a:p>
         </p:txBody>
       </p:sp>
@@ -1014,7 +1073,7 @@
               <a:buNone/>
               <a:defRPr sz="3200"/>
             </a:lvl1pPr>
-            <a:lvl2pPr marL="0" indent="228600" algn="ctr">
+            <a:lvl2pPr marL="0" indent="0" algn="ctr">
               <a:spcBef>
                 <a:spcPts val="0"/>
               </a:spcBef>
@@ -1022,7 +1081,7 @@
               <a:buNone/>
               <a:defRPr sz="3200"/>
             </a:lvl2pPr>
-            <a:lvl3pPr marL="0" indent="457200" algn="ctr">
+            <a:lvl3pPr marL="0" indent="0" algn="ctr">
               <a:spcBef>
                 <a:spcPts val="0"/>
               </a:spcBef>
@@ -1030,7 +1089,7 @@
               <a:buNone/>
               <a:defRPr sz="3200"/>
             </a:lvl3pPr>
-            <a:lvl4pPr marL="0" indent="685800" algn="ctr">
+            <a:lvl4pPr marL="0" indent="0" algn="ctr">
               <a:spcBef>
                 <a:spcPts val="0"/>
               </a:spcBef>
@@ -1038,7 +1097,7 @@
               <a:buNone/>
               <a:defRPr sz="3200"/>
             </a:lvl4pPr>
-            <a:lvl5pPr marL="0" indent="914400" algn="ctr">
+            <a:lvl5pPr marL="0" indent="0" algn="ctr">
               <a:spcBef>
                 <a:spcPts val="0"/>
               </a:spcBef>
@@ -1294,7 +1353,7 @@
               <a:buNone/>
               <a:defRPr sz="3200"/>
             </a:lvl1pPr>
-            <a:lvl2pPr marL="0" indent="228600" algn="ctr">
+            <a:lvl2pPr marL="0" indent="0" algn="ctr">
               <a:spcBef>
                 <a:spcPts val="0"/>
               </a:spcBef>
@@ -1302,7 +1361,7 @@
               <a:buNone/>
               <a:defRPr sz="3200"/>
             </a:lvl2pPr>
-            <a:lvl3pPr marL="0" indent="457200" algn="ctr">
+            <a:lvl3pPr marL="0" indent="0" algn="ctr">
               <a:spcBef>
                 <a:spcPts val="0"/>
               </a:spcBef>
@@ -1310,7 +1369,7 @@
               <a:buNone/>
               <a:defRPr sz="3200"/>
             </a:lvl3pPr>
-            <a:lvl4pPr marL="0" indent="685800" algn="ctr">
+            <a:lvl4pPr marL="0" indent="0" algn="ctr">
               <a:spcBef>
                 <a:spcPts val="0"/>
               </a:spcBef>
@@ -1318,7 +1377,7 @@
               <a:buNone/>
               <a:defRPr sz="3200"/>
             </a:lvl4pPr>
-            <a:lvl5pPr marL="0" indent="914400" algn="ctr">
+            <a:lvl5pPr marL="0" indent="0" algn="ctr">
               <a:spcBef>
                 <a:spcPts val="0"/>
               </a:spcBef>
@@ -1919,7 +1978,7 @@
         <p:spPr>
           <a:xfrm>
             <a:off x="6724518" y="889000"/>
-            <a:ext cx="5334001" cy="3771900"/>
+            <a:ext cx="5334002" cy="3771900"/>
           </a:xfrm>
           <a:prstGeom prst="rect">
             <a:avLst/>
@@ -2195,13 +2254,13 @@
             <a:srgbClr val="000000"/>
           </a:solidFill>
           <a:uFillTx/>
-          <a:latin typeface="+mn-lt"/>
-          <a:ea typeface="+mn-ea"/>
-          <a:cs typeface="+mn-cs"/>
+          <a:latin typeface="Helvetica Light"/>
+          <a:ea typeface="Helvetica Light"/>
+          <a:cs typeface="Helvetica Light"/>
           <a:sym typeface="Helvetica Light"/>
         </a:defRPr>
       </a:lvl1pPr>
-      <a:lvl2pPr marL="0" marR="0" indent="228600" algn="ctr" defTabSz="584200" rtl="0" latinLnBrk="0">
+      <a:lvl2pPr marL="0" marR="0" indent="0" algn="ctr" defTabSz="584200" rtl="0" latinLnBrk="0">
         <a:lnSpc>
           <a:spcPct val="100000"/>
         </a:lnSpc>
@@ -2224,13 +2283,13 @@
             <a:srgbClr val="000000"/>
           </a:solidFill>
           <a:uFillTx/>
-          <a:latin typeface="+mn-lt"/>
-          <a:ea typeface="+mn-ea"/>
-          <a:cs typeface="+mn-cs"/>
+          <a:latin typeface="Helvetica Light"/>
+          <a:ea typeface="Helvetica Light"/>
+          <a:cs typeface="Helvetica Light"/>
           <a:sym typeface="Helvetica Light"/>
         </a:defRPr>
       </a:lvl2pPr>
-      <a:lvl3pPr marL="0" marR="0" indent="457200" algn="ctr" defTabSz="584200" rtl="0" latinLnBrk="0">
+      <a:lvl3pPr marL="0" marR="0" indent="0" algn="ctr" defTabSz="584200" rtl="0" latinLnBrk="0">
         <a:lnSpc>
           <a:spcPct val="100000"/>
         </a:lnSpc>
@@ -2253,13 +2312,13 @@
             <a:srgbClr val="000000"/>
           </a:solidFill>
           <a:uFillTx/>
-          <a:latin typeface="+mn-lt"/>
-          <a:ea typeface="+mn-ea"/>
-          <a:cs typeface="+mn-cs"/>
+          <a:latin typeface="Helvetica Light"/>
+          <a:ea typeface="Helvetica Light"/>
+          <a:cs typeface="Helvetica Light"/>
           <a:sym typeface="Helvetica Light"/>
         </a:defRPr>
       </a:lvl3pPr>
-      <a:lvl4pPr marL="0" marR="0" indent="685800" algn="ctr" defTabSz="584200" rtl="0" latinLnBrk="0">
+      <a:lvl4pPr marL="0" marR="0" indent="0" algn="ctr" defTabSz="584200" rtl="0" latinLnBrk="0">
         <a:lnSpc>
           <a:spcPct val="100000"/>
         </a:lnSpc>
@@ -2282,13 +2341,13 @@
             <a:srgbClr val="000000"/>
           </a:solidFill>
           <a:uFillTx/>
-          <a:latin typeface="+mn-lt"/>
-          <a:ea typeface="+mn-ea"/>
-          <a:cs typeface="+mn-cs"/>
+          <a:latin typeface="Helvetica Light"/>
+          <a:ea typeface="Helvetica Light"/>
+          <a:cs typeface="Helvetica Light"/>
           <a:sym typeface="Helvetica Light"/>
         </a:defRPr>
       </a:lvl4pPr>
-      <a:lvl5pPr marL="0" marR="0" indent="914400" algn="ctr" defTabSz="584200" rtl="0" latinLnBrk="0">
+      <a:lvl5pPr marL="0" marR="0" indent="0" algn="ctr" defTabSz="584200" rtl="0" latinLnBrk="0">
         <a:lnSpc>
           <a:spcPct val="100000"/>
         </a:lnSpc>
@@ -2311,13 +2370,13 @@
             <a:srgbClr val="000000"/>
           </a:solidFill>
           <a:uFillTx/>
-          <a:latin typeface="+mn-lt"/>
-          <a:ea typeface="+mn-ea"/>
-          <a:cs typeface="+mn-cs"/>
+          <a:latin typeface="Helvetica Light"/>
+          <a:ea typeface="Helvetica Light"/>
+          <a:cs typeface="Helvetica Light"/>
           <a:sym typeface="Helvetica Light"/>
         </a:defRPr>
       </a:lvl5pPr>
-      <a:lvl6pPr marL="0" marR="0" indent="1143000" algn="ctr" defTabSz="584200" rtl="0" latinLnBrk="0">
+      <a:lvl6pPr marL="0" marR="0" indent="0" algn="ctr" defTabSz="584200" rtl="0" latinLnBrk="0">
         <a:lnSpc>
           <a:spcPct val="100000"/>
         </a:lnSpc>
@@ -2340,13 +2399,13 @@
             <a:srgbClr val="000000"/>
           </a:solidFill>
           <a:uFillTx/>
-          <a:latin typeface="+mn-lt"/>
-          <a:ea typeface="+mn-ea"/>
-          <a:cs typeface="+mn-cs"/>
+          <a:latin typeface="Helvetica Light"/>
+          <a:ea typeface="Helvetica Light"/>
+          <a:cs typeface="Helvetica Light"/>
           <a:sym typeface="Helvetica Light"/>
         </a:defRPr>
       </a:lvl6pPr>
-      <a:lvl7pPr marL="0" marR="0" indent="1371600" algn="ctr" defTabSz="584200" rtl="0" latinLnBrk="0">
+      <a:lvl7pPr marL="0" marR="0" indent="0" algn="ctr" defTabSz="584200" rtl="0" latinLnBrk="0">
         <a:lnSpc>
           <a:spcPct val="100000"/>
         </a:lnSpc>
@@ -2369,13 +2428,13 @@
             <a:srgbClr val="000000"/>
           </a:solidFill>
           <a:uFillTx/>
-          <a:latin typeface="+mn-lt"/>
-          <a:ea typeface="+mn-ea"/>
-          <a:cs typeface="+mn-cs"/>
+          <a:latin typeface="Helvetica Light"/>
+          <a:ea typeface="Helvetica Light"/>
+          <a:cs typeface="Helvetica Light"/>
           <a:sym typeface="Helvetica Light"/>
         </a:defRPr>
       </a:lvl7pPr>
-      <a:lvl8pPr marL="0" marR="0" indent="1600200" algn="ctr" defTabSz="584200" rtl="0" latinLnBrk="0">
+      <a:lvl8pPr marL="0" marR="0" indent="0" algn="ctr" defTabSz="584200" rtl="0" latinLnBrk="0">
         <a:lnSpc>
           <a:spcPct val="100000"/>
         </a:lnSpc>
@@ -2398,13 +2457,13 @@
             <a:srgbClr val="000000"/>
           </a:solidFill>
           <a:uFillTx/>
-          <a:latin typeface="+mn-lt"/>
-          <a:ea typeface="+mn-ea"/>
-          <a:cs typeface="+mn-cs"/>
+          <a:latin typeface="Helvetica Light"/>
+          <a:ea typeface="Helvetica Light"/>
+          <a:cs typeface="Helvetica Light"/>
           <a:sym typeface="Helvetica Light"/>
         </a:defRPr>
       </a:lvl8pPr>
-      <a:lvl9pPr marL="0" marR="0" indent="1828800" algn="ctr" defTabSz="584200" rtl="0" latinLnBrk="0">
+      <a:lvl9pPr marL="0" marR="0" indent="0" algn="ctr" defTabSz="584200" rtl="0" latinLnBrk="0">
         <a:lnSpc>
           <a:spcPct val="100000"/>
         </a:lnSpc>
@@ -2427,9 +2486,9 @@
             <a:srgbClr val="000000"/>
           </a:solidFill>
           <a:uFillTx/>
-          <a:latin typeface="+mn-lt"/>
-          <a:ea typeface="+mn-ea"/>
-          <a:cs typeface="+mn-cs"/>
+          <a:latin typeface="Helvetica Light"/>
+          <a:ea typeface="Helvetica Light"/>
+          <a:cs typeface="Helvetica Light"/>
           <a:sym typeface="Helvetica Light"/>
         </a:defRPr>
       </a:lvl9pPr>
@@ -2458,9 +2517,9 @@
             <a:srgbClr val="000000"/>
           </a:solidFill>
           <a:uFillTx/>
-          <a:latin typeface="+mn-lt"/>
-          <a:ea typeface="+mn-ea"/>
-          <a:cs typeface="+mn-cs"/>
+          <a:latin typeface="Helvetica Light"/>
+          <a:ea typeface="Helvetica Light"/>
+          <a:cs typeface="Helvetica Light"/>
           <a:sym typeface="Helvetica Light"/>
         </a:defRPr>
       </a:lvl1pPr>
@@ -2487,9 +2546,9 @@
             <a:srgbClr val="000000"/>
           </a:solidFill>
           <a:uFillTx/>
-          <a:latin typeface="+mn-lt"/>
-          <a:ea typeface="+mn-ea"/>
-          <a:cs typeface="+mn-cs"/>
+          <a:latin typeface="Helvetica Light"/>
+          <a:ea typeface="Helvetica Light"/>
+          <a:cs typeface="Helvetica Light"/>
           <a:sym typeface="Helvetica Light"/>
         </a:defRPr>
       </a:lvl2pPr>
@@ -2516,9 +2575,9 @@
             <a:srgbClr val="000000"/>
           </a:solidFill>
           <a:uFillTx/>
-          <a:latin typeface="+mn-lt"/>
-          <a:ea typeface="+mn-ea"/>
-          <a:cs typeface="+mn-cs"/>
+          <a:latin typeface="Helvetica Light"/>
+          <a:ea typeface="Helvetica Light"/>
+          <a:cs typeface="Helvetica Light"/>
           <a:sym typeface="Helvetica Light"/>
         </a:defRPr>
       </a:lvl3pPr>
@@ -2545,9 +2604,9 @@
             <a:srgbClr val="000000"/>
           </a:solidFill>
           <a:uFillTx/>
-          <a:latin typeface="+mn-lt"/>
-          <a:ea typeface="+mn-ea"/>
-          <a:cs typeface="+mn-cs"/>
+          <a:latin typeface="Helvetica Light"/>
+          <a:ea typeface="Helvetica Light"/>
+          <a:cs typeface="Helvetica Light"/>
           <a:sym typeface="Helvetica Light"/>
         </a:defRPr>
       </a:lvl4pPr>
@@ -2574,9 +2633,9 @@
             <a:srgbClr val="000000"/>
           </a:solidFill>
           <a:uFillTx/>
-          <a:latin typeface="+mn-lt"/>
-          <a:ea typeface="+mn-ea"/>
-          <a:cs typeface="+mn-cs"/>
+          <a:latin typeface="Helvetica Light"/>
+          <a:ea typeface="Helvetica Light"/>
+          <a:cs typeface="Helvetica Light"/>
           <a:sym typeface="Helvetica Light"/>
         </a:defRPr>
       </a:lvl5pPr>
@@ -2603,9 +2662,9 @@
             <a:srgbClr val="000000"/>
           </a:solidFill>
           <a:uFillTx/>
-          <a:latin typeface="+mn-lt"/>
-          <a:ea typeface="+mn-ea"/>
-          <a:cs typeface="+mn-cs"/>
+          <a:latin typeface="Helvetica Light"/>
+          <a:ea typeface="Helvetica Light"/>
+          <a:cs typeface="Helvetica Light"/>
           <a:sym typeface="Helvetica Light"/>
         </a:defRPr>
       </a:lvl6pPr>
@@ -2632,9 +2691,9 @@
             <a:srgbClr val="000000"/>
           </a:solidFill>
           <a:uFillTx/>
-          <a:latin typeface="+mn-lt"/>
-          <a:ea typeface="+mn-ea"/>
-          <a:cs typeface="+mn-cs"/>
+          <a:latin typeface="Helvetica Light"/>
+          <a:ea typeface="Helvetica Light"/>
+          <a:cs typeface="Helvetica Light"/>
           <a:sym typeface="Helvetica Light"/>
         </a:defRPr>
       </a:lvl7pPr>
@@ -2661,9 +2720,9 @@
             <a:srgbClr val="000000"/>
           </a:solidFill>
           <a:uFillTx/>
-          <a:latin typeface="+mn-lt"/>
-          <a:ea typeface="+mn-ea"/>
-          <a:cs typeface="+mn-cs"/>
+          <a:latin typeface="Helvetica Light"/>
+          <a:ea typeface="Helvetica Light"/>
+          <a:cs typeface="Helvetica Light"/>
           <a:sym typeface="Helvetica Light"/>
         </a:defRPr>
       </a:lvl8pPr>
@@ -2690,9 +2749,9 @@
             <a:srgbClr val="000000"/>
           </a:solidFill>
           <a:uFillTx/>
-          <a:latin typeface="+mn-lt"/>
-          <a:ea typeface="+mn-ea"/>
-          <a:cs typeface="+mn-cs"/>
+          <a:latin typeface="Helvetica Light"/>
+          <a:ea typeface="Helvetica Light"/>
+          <a:cs typeface="Helvetica Light"/>
           <a:sym typeface="Helvetica Light"/>
         </a:defRPr>
       </a:lvl9pPr>
@@ -2727,7 +2786,7 @@
           <a:sym typeface="Helvetica Light"/>
         </a:defRPr>
       </a:lvl1pPr>
-      <a:lvl2pPr marL="0" marR="0" indent="228600" algn="ctr" defTabSz="584200" rtl="0" latinLnBrk="0">
+      <a:lvl2pPr marL="0" marR="0" indent="0" algn="ctr" defTabSz="584200" rtl="0" latinLnBrk="0">
         <a:lnSpc>
           <a:spcPct val="100000"/>
         </a:lnSpc>
@@ -2756,7 +2815,7 @@
           <a:sym typeface="Helvetica Light"/>
         </a:defRPr>
       </a:lvl2pPr>
-      <a:lvl3pPr marL="0" marR="0" indent="457200" algn="ctr" defTabSz="584200" rtl="0" latinLnBrk="0">
+      <a:lvl3pPr marL="0" marR="0" indent="0" algn="ctr" defTabSz="584200" rtl="0" latinLnBrk="0">
         <a:lnSpc>
           <a:spcPct val="100000"/>
         </a:lnSpc>
@@ -2785,7 +2844,7 @@
           <a:sym typeface="Helvetica Light"/>
         </a:defRPr>
       </a:lvl3pPr>
-      <a:lvl4pPr marL="0" marR="0" indent="685800" algn="ctr" defTabSz="584200" rtl="0" latinLnBrk="0">
+      <a:lvl4pPr marL="0" marR="0" indent="0" algn="ctr" defTabSz="584200" rtl="0" latinLnBrk="0">
         <a:lnSpc>
           <a:spcPct val="100000"/>
         </a:lnSpc>
@@ -2814,7 +2873,7 @@
           <a:sym typeface="Helvetica Light"/>
         </a:defRPr>
       </a:lvl4pPr>
-      <a:lvl5pPr marL="0" marR="0" indent="914400" algn="ctr" defTabSz="584200" rtl="0" latinLnBrk="0">
+      <a:lvl5pPr marL="0" marR="0" indent="0" algn="ctr" defTabSz="584200" rtl="0" latinLnBrk="0">
         <a:lnSpc>
           <a:spcPct val="100000"/>
         </a:lnSpc>
@@ -2843,7 +2902,7 @@
           <a:sym typeface="Helvetica Light"/>
         </a:defRPr>
       </a:lvl5pPr>
-      <a:lvl6pPr marL="0" marR="0" indent="1143000" algn="ctr" defTabSz="584200" rtl="0" latinLnBrk="0">
+      <a:lvl6pPr marL="0" marR="0" indent="0" algn="ctr" defTabSz="584200" rtl="0" latinLnBrk="0">
         <a:lnSpc>
           <a:spcPct val="100000"/>
         </a:lnSpc>
@@ -2872,7 +2931,7 @@
           <a:sym typeface="Helvetica Light"/>
         </a:defRPr>
       </a:lvl6pPr>
-      <a:lvl7pPr marL="0" marR="0" indent="1371600" algn="ctr" defTabSz="584200" rtl="0" latinLnBrk="0">
+      <a:lvl7pPr marL="0" marR="0" indent="0" algn="ctr" defTabSz="584200" rtl="0" latinLnBrk="0">
         <a:lnSpc>
           <a:spcPct val="100000"/>
         </a:lnSpc>
@@ -2901,7 +2960,7 @@
           <a:sym typeface="Helvetica Light"/>
         </a:defRPr>
       </a:lvl7pPr>
-      <a:lvl8pPr marL="0" marR="0" indent="1600200" algn="ctr" defTabSz="584200" rtl="0" latinLnBrk="0">
+      <a:lvl8pPr marL="0" marR="0" indent="0" algn="ctr" defTabSz="584200" rtl="0" latinLnBrk="0">
         <a:lnSpc>
           <a:spcPct val="100000"/>
         </a:lnSpc>
@@ -2930,7 +2989,7 @@
           <a:sym typeface="Helvetica Light"/>
         </a:defRPr>
       </a:lvl8pPr>
-      <a:lvl9pPr marL="0" marR="0" indent="1828800" algn="ctr" defTabSz="584200" rtl="0" latinLnBrk="0">
+      <a:lvl9pPr marL="0" marR="0" indent="0" algn="ctr" defTabSz="584200" rtl="0" latinLnBrk="0">
         <a:lnSpc>
           <a:spcPct val="100000"/>
         </a:lnSpc>
@@ -2983,7 +3042,7 @@
       </p:grpSpPr>
       <p:pic>
         <p:nvPicPr>
-          <p:cNvPr id="119" name="pasted-image.tiff"/>
+          <p:cNvPr id="119" name="image1.tif"/>
           <p:cNvPicPr>
             <a:picLocks noChangeAspect="1"/>
           </p:cNvPicPr>
@@ -2999,8 +3058,8 @@
         </p:blipFill>
         <p:spPr>
           <a:xfrm flipH="1">
-            <a:off x="-2939611" y="-130838"/>
-            <a:ext cx="18884022" cy="10015276"/>
+            <a:off x="-2939612" y="-130839"/>
+            <a:ext cx="18884024" cy="10015278"/>
           </a:xfrm>
           <a:prstGeom prst="rect">
             <a:avLst/>
@@ -3020,8 +3079,8 @@
         </p:nvSpPr>
         <p:spPr>
           <a:xfrm>
-            <a:off x="6897228" y="3102008"/>
-            <a:ext cx="5721301" cy="2271118"/>
+            <a:off x="6897227" y="3102007"/>
+            <a:ext cx="5721302" cy="2271119"/>
           </a:xfrm>
           <a:prstGeom prst="rect">
             <a:avLst/>
@@ -3033,22 +3092,22 @@
           <a:p>
             <a:pPr algn="l">
               <a:defRPr b="1" sz="3000">
-                <a:latin typeface="Helvetica"/>
-                <a:ea typeface="Helvetica"/>
-                <a:cs typeface="Helvetica"/>
+                <a:latin typeface="+mn-lt"/>
+                <a:ea typeface="+mn-ea"/>
+                <a:cs typeface="+mn-cs"/>
                 <a:sym typeface="Helvetica"/>
               </a:defRPr>
             </a:pPr>
             <a:r>
-              <a:t>Who is she?</a:t>
+              <a:t>Do you see anyone?</a:t>
             </a:r>
           </a:p>
           <a:p>
             <a:pPr algn="l">
               <a:defRPr b="1" sz="3000">
-                <a:latin typeface="Helvetica"/>
-                <a:ea typeface="Helvetica"/>
-                <a:cs typeface="Helvetica"/>
+                <a:latin typeface="+mn-lt"/>
+                <a:ea typeface="+mn-ea"/>
+                <a:cs typeface="+mn-cs"/>
                 <a:sym typeface="Helvetica"/>
               </a:defRPr>
             </a:pPr>
@@ -3059,14 +3118,14 @@
           <a:p>
             <a:pPr algn="l">
               <a:defRPr b="1" sz="3000">
-                <a:latin typeface="Helvetica"/>
-                <a:ea typeface="Helvetica"/>
-                <a:cs typeface="Helvetica"/>
+                <a:latin typeface="+mn-lt"/>
+                <a:ea typeface="+mn-ea"/>
+                <a:cs typeface="+mn-cs"/>
                 <a:sym typeface="Helvetica"/>
               </a:defRPr>
             </a:pPr>
             <a:r>
-              <a:t>Is she standing close to you?</a:t>
+              <a:t>Is she practicing social distancing?</a:t>
             </a:r>
           </a:p>
         </p:txBody>
@@ -3082,7 +3141,7 @@
         <p:spPr>
           <a:xfrm>
             <a:off x="6955456" y="5823177"/>
-            <a:ext cx="5604844" cy="2827425"/>
+            <a:ext cx="5604845" cy="2827426"/>
           </a:xfrm>
           <a:prstGeom prst="rect">
             <a:avLst/>
@@ -3092,27 +3151,27 @@
           <a:bodyPr/>
           <a:lstStyle/>
           <a:p>
-            <a:pPr algn="just" defTabSz="327152">
-              <a:defRPr sz="1792"/>
+            <a:pPr algn="just" defTabSz="284622">
+              <a:defRPr sz="1479"/>
             </a:pPr>
             <a:r>
-              <a:t>We want to answer these questions by just looking at an image of a person and reading a short description of her mood. (if we could it could be a robot seeing a person and listening to her story)</a:t>
-            </a:r>
-          </a:p>
-          <a:p>
-            <a:pPr algn="just" defTabSz="327152">
-              <a:defRPr sz="1792"/>
+              <a:t>COVID-19 has changed everything in our lives, we need to practice social distancing and if we are feeling sick we need to let others know and stay home. Imagine a robot that can tell if you are feeling bad or good. We may be able to answer these questions by just looking at an image of a person and reading a short description of her mood. (if we could it could be a robot seeing a person and listening to her story)</a:t>
+            </a:r>
+          </a:p>
+          <a:p>
+            <a:pPr algn="just" defTabSz="284622">
+              <a:defRPr sz="1479"/>
             </a:pPr>
             <a:r>
-              <a:t>In this project, we will learn how to detect faces, recognize them and find the sentiment of a sentence.</a:t>
-            </a:r>
-          </a:p>
-          <a:p>
-            <a:pPr algn="just" defTabSz="327152">
-              <a:defRPr sz="1792"/>
+              <a:t>In this project, we will learn how to detect faces and find the sentiment of a sentence.</a:t>
+            </a:r>
+          </a:p>
+          <a:p>
+            <a:pPr algn="just" defTabSz="284622">
+              <a:defRPr sz="1479"/>
             </a:pPr>
             <a:r>
-              <a:t>As a bonus students can choose to work on distance estimation too. </a:t>
+              <a:t>As a bonus students can choose to work on distance estimation. Imagine a robot coming to people and warning them about social distancing.</a:t>
             </a:r>
           </a:p>
         </p:txBody>
@@ -3125,8 +3184,8 @@
         </p:nvSpPr>
         <p:spPr>
           <a:xfrm>
-            <a:off x="6897228" y="137207"/>
-            <a:ext cx="5721301" cy="2271118"/>
+            <a:off x="6897227" y="1112924"/>
+            <a:ext cx="5721302" cy="1295401"/>
           </a:xfrm>
           <a:prstGeom prst="rect">
             <a:avLst/>
@@ -3150,9 +3209,9 @@
                 <a:solidFill>
                   <a:srgbClr val="21373E"/>
                 </a:solidFill>
-                <a:latin typeface="Helvetica"/>
-                <a:ea typeface="Helvetica"/>
-                <a:cs typeface="Helvetica"/>
+                <a:latin typeface="+mn-lt"/>
+                <a:ea typeface="+mn-ea"/>
+                <a:cs typeface="+mn-cs"/>
                 <a:sym typeface="Helvetica"/>
               </a:defRPr>
             </a:lvl1pPr>
@@ -3173,8 +3232,8 @@
         </p:nvSpPr>
         <p:spPr>
           <a:xfrm>
-            <a:off x="10898938" y="9100653"/>
-            <a:ext cx="1906895" cy="377781"/>
+            <a:off x="10898937" y="9100653"/>
+            <a:ext cx="1906896" cy="330201"/>
           </a:xfrm>
           <a:prstGeom prst="rect">
             <a:avLst/>
@@ -3194,7 +3253,7 @@
           </a:bodyPr>
           <a:lstStyle>
             <a:lvl1pPr algn="just" defTabSz="531622">
-              <a:defRPr sz="1547"/>
+              <a:defRPr sz="1500"/>
             </a:lvl1pPr>
           </a:lstStyle>
           <a:p>
@@ -3225,10 +3284,10 @@
         <a:srgbClr val="FFFFFF"/>
       </a:lt1>
       <a:dk2>
-        <a:srgbClr val="53585F"/>
+        <a:srgbClr val="A7A7A7"/>
       </a:dk2>
       <a:lt2>
-        <a:srgbClr val="DCDEE0"/>
+        <a:srgbClr val="535353"/>
       </a:lt2>
       <a:accent1>
         <a:srgbClr val="0365C0"/>
@@ -3257,14 +3316,14 @@
     </a:clrScheme>
     <a:fontScheme name="White">
       <a:majorFont>
-        <a:latin typeface="Helvetica Light"/>
-        <a:ea typeface="Helvetica Light"/>
-        <a:cs typeface="Helvetica Light"/>
+        <a:latin typeface="Helvetica Neue"/>
+        <a:ea typeface="Helvetica Neue"/>
+        <a:cs typeface="Helvetica Neue"/>
       </a:majorFont>
       <a:minorFont>
-        <a:latin typeface="Helvetica Light"/>
-        <a:ea typeface="Helvetica Light"/>
-        <a:cs typeface="Helvetica Light"/>
+        <a:latin typeface="Helvetica"/>
+        <a:ea typeface="Helvetica"/>
+        <a:cs typeface="Helvetica"/>
       </a:minorFont>
     </a:fontScheme>
     <a:fmtScheme name="White">
@@ -3350,7 +3409,7 @@
         </a:effectStyle>
         <a:effectStyle>
           <a:effectLst>
-            <a:outerShdw sx="100000" sy="100000" kx="0" ky="0" algn="b" rotWithShape="0" blurRad="50800" dist="12700" dir="0">
+            <a:outerShdw sx="100000" sy="100000" kx="0" ky="0" algn="b" rotWithShape="0" blurRad="38100" dist="25400" dir="5400000">
               <a:srgbClr val="000000">
                 <a:alpha val="50000"/>
               </a:srgbClr>
@@ -3422,14 +3481,15 @@
   <a:objectDefaults>
     <a:spDef>
       <a:spPr>
-        <a:blipFill rotWithShape="1">
-          <a:blip r:embed="rId1"/>
-          <a:srcRect l="0" t="0" r="0" b="0"/>
-          <a:tile tx="0" ty="0" sx="100000" sy="100000" flip="none" algn="tl"/>
-        </a:blipFill>
-        <a:ln w="12700" cap="flat">
-          <a:noFill/>
-          <a:miter lim="400000"/>
+        <a:solidFill>
+          <a:srgbClr val="FFFFFF"/>
+        </a:solidFill>
+        <a:ln w="25400" cap="flat">
+          <a:solidFill>
+            <a:schemeClr val="accent1"/>
+          </a:solidFill>
+          <a:prstDash val="solid"/>
+          <a:round/>
         </a:ln>
         <a:effectLst>
           <a:outerShdw sx="100000" sy="100000" kx="0" ky="0" algn="b" rotWithShape="0" blurRad="38100" dist="25400" dir="5400000">
@@ -3459,18 +3519,18 @@
           <a:buFontTx/>
           <a:buNone/>
           <a:tabLst/>
-          <a:defRPr b="0" baseline="0" cap="none" i="0" spc="0" strike="noStrike" sz="2400" u="none" kumimoji="0" normalizeH="0">
-            <a:ln>
-              <a:noFill/>
-            </a:ln>
-            <a:solidFill>
-              <a:srgbClr val="FFFFFF"/>
-            </a:solidFill>
-            <a:effectLst/>
-            <a:uFillTx/>
-            <a:latin typeface="+mn-lt"/>
-            <a:ea typeface="+mn-ea"/>
-            <a:cs typeface="+mn-cs"/>
+          <a:defRPr b="0" baseline="0" cap="none" i="0" spc="0" strike="noStrike" sz="3600" u="none" kumimoji="0" normalizeH="0">
+            <a:ln>
+              <a:noFill/>
+            </a:ln>
+            <a:solidFill>
+              <a:srgbClr val="000000"/>
+            </a:solidFill>
+            <a:effectLst/>
+            <a:uFillTx/>
+            <a:latin typeface="Helvetica Light"/>
+            <a:ea typeface="Helvetica Light"/>
+            <a:cs typeface="Helvetica Light"/>
             <a:sym typeface="Helvetica Light"/>
           </a:defRPr>
         </a:defPPr>
@@ -3721,12 +3781,18 @@
         <a:noFill/>
         <a:ln w="25400" cap="flat">
           <a:solidFill>
-            <a:srgbClr val="000000"/>
+            <a:schemeClr val="accent1"/>
           </a:solidFill>
           <a:prstDash val="solid"/>
-          <a:miter lim="400000"/>
+          <a:round/>
         </a:ln>
-        <a:effectLst/>
+        <a:effectLst>
+          <a:outerShdw sx="100000" sy="100000" kx="0" ky="0" algn="b" rotWithShape="0" blurRad="38100" dist="25400" dir="5400000">
+            <a:srgbClr val="000000">
+              <a:alpha val="50000"/>
+            </a:srgbClr>
+          </a:outerShdw>
+        </a:effectLst>
         <a:sp3d/>
       </a:spPr>
       <a:bodyPr rot="0" spcFirstLastPara="1" vertOverflow="overflow" horzOverflow="overflow" vert="horz" wrap="square" lIns="91439" tIns="45719" rIns="91439" bIns="45719" numCol="1" spcCol="38100" rtlCol="0" anchor="t" upright="0">
@@ -4039,9 +4105,9 @@
             </a:solidFill>
             <a:effectLst/>
             <a:uFillTx/>
-            <a:latin typeface="+mn-lt"/>
-            <a:ea typeface="+mn-ea"/>
-            <a:cs typeface="+mn-cs"/>
+            <a:latin typeface="Helvetica Light"/>
+            <a:ea typeface="Helvetica Light"/>
+            <a:cs typeface="Helvetica Light"/>
             <a:sym typeface="Helvetica Light"/>
           </a:defRPr>
         </a:defPPr>
@@ -4302,10 +4368,10 @@
         <a:srgbClr val="FFFFFF"/>
       </a:lt1>
       <a:dk2>
-        <a:srgbClr val="53585F"/>
+        <a:srgbClr val="A7A7A7"/>
       </a:dk2>
       <a:lt2>
-        <a:srgbClr val="DCDEE0"/>
+        <a:srgbClr val="535353"/>
       </a:lt2>
       <a:accent1>
         <a:srgbClr val="0365C0"/>
@@ -4334,14 +4400,14 @@
     </a:clrScheme>
     <a:fontScheme name="White">
       <a:majorFont>
-        <a:latin typeface="Helvetica Light"/>
-        <a:ea typeface="Helvetica Light"/>
-        <a:cs typeface="Helvetica Light"/>
+        <a:latin typeface="Helvetica Neue"/>
+        <a:ea typeface="Helvetica Neue"/>
+        <a:cs typeface="Helvetica Neue"/>
       </a:majorFont>
       <a:minorFont>
-        <a:latin typeface="Helvetica Light"/>
-        <a:ea typeface="Helvetica Light"/>
-        <a:cs typeface="Helvetica Light"/>
+        <a:latin typeface="Helvetica"/>
+        <a:ea typeface="Helvetica"/>
+        <a:cs typeface="Helvetica"/>
       </a:minorFont>
     </a:fontScheme>
     <a:fmtScheme name="White">
@@ -4427,7 +4493,7 @@
         </a:effectStyle>
         <a:effectStyle>
           <a:effectLst>
-            <a:outerShdw sx="100000" sy="100000" kx="0" ky="0" algn="b" rotWithShape="0" blurRad="50800" dist="12700" dir="0">
+            <a:outerShdw sx="100000" sy="100000" kx="0" ky="0" algn="b" rotWithShape="0" blurRad="38100" dist="25400" dir="5400000">
               <a:srgbClr val="000000">
                 <a:alpha val="50000"/>
               </a:srgbClr>
@@ -4499,14 +4565,15 @@
   <a:objectDefaults>
     <a:spDef>
       <a:spPr>
-        <a:blipFill rotWithShape="1">
-          <a:blip r:embed="rId1"/>
-          <a:srcRect l="0" t="0" r="0" b="0"/>
-          <a:tile tx="0" ty="0" sx="100000" sy="100000" flip="none" algn="tl"/>
-        </a:blipFill>
-        <a:ln w="12700" cap="flat">
-          <a:noFill/>
-          <a:miter lim="400000"/>
+        <a:solidFill>
+          <a:srgbClr val="FFFFFF"/>
+        </a:solidFill>
+        <a:ln w="25400" cap="flat">
+          <a:solidFill>
+            <a:schemeClr val="accent1"/>
+          </a:solidFill>
+          <a:prstDash val="solid"/>
+          <a:round/>
         </a:ln>
         <a:effectLst>
           <a:outerShdw sx="100000" sy="100000" kx="0" ky="0" algn="b" rotWithShape="0" blurRad="38100" dist="25400" dir="5400000">
@@ -4536,18 +4603,18 @@
           <a:buFontTx/>
           <a:buNone/>
           <a:tabLst/>
-          <a:defRPr b="0" baseline="0" cap="none" i="0" spc="0" strike="noStrike" sz="2400" u="none" kumimoji="0" normalizeH="0">
-            <a:ln>
-              <a:noFill/>
-            </a:ln>
-            <a:solidFill>
-              <a:srgbClr val="FFFFFF"/>
-            </a:solidFill>
-            <a:effectLst/>
-            <a:uFillTx/>
-            <a:latin typeface="+mn-lt"/>
-            <a:ea typeface="+mn-ea"/>
-            <a:cs typeface="+mn-cs"/>
+          <a:defRPr b="0" baseline="0" cap="none" i="0" spc="0" strike="noStrike" sz="3600" u="none" kumimoji="0" normalizeH="0">
+            <a:ln>
+              <a:noFill/>
+            </a:ln>
+            <a:solidFill>
+              <a:srgbClr val="000000"/>
+            </a:solidFill>
+            <a:effectLst/>
+            <a:uFillTx/>
+            <a:latin typeface="Helvetica Light"/>
+            <a:ea typeface="Helvetica Light"/>
+            <a:cs typeface="Helvetica Light"/>
             <a:sym typeface="Helvetica Light"/>
           </a:defRPr>
         </a:defPPr>
@@ -4798,12 +4865,18 @@
         <a:noFill/>
         <a:ln w="25400" cap="flat">
           <a:solidFill>
-            <a:srgbClr val="000000"/>
+            <a:schemeClr val="accent1"/>
           </a:solidFill>
           <a:prstDash val="solid"/>
-          <a:miter lim="400000"/>
+          <a:round/>
         </a:ln>
-        <a:effectLst/>
+        <a:effectLst>
+          <a:outerShdw sx="100000" sy="100000" kx="0" ky="0" algn="b" rotWithShape="0" blurRad="38100" dist="25400" dir="5400000">
+            <a:srgbClr val="000000">
+              <a:alpha val="50000"/>
+            </a:srgbClr>
+          </a:outerShdw>
+        </a:effectLst>
         <a:sp3d/>
       </a:spPr>
       <a:bodyPr rot="0" spcFirstLastPara="1" vertOverflow="overflow" horzOverflow="overflow" vert="horz" wrap="square" lIns="91439" tIns="45719" rIns="91439" bIns="45719" numCol="1" spcCol="38100" rtlCol="0" anchor="t" upright="0">
@@ -5116,9 +5189,9 @@
             </a:solidFill>
             <a:effectLst/>
             <a:uFillTx/>
-            <a:latin typeface="+mn-lt"/>
-            <a:ea typeface="+mn-ea"/>
-            <a:cs typeface="+mn-cs"/>
+            <a:latin typeface="Helvetica Light"/>
+            <a:ea typeface="Helvetica Light"/>
+            <a:cs typeface="Helvetica Light"/>
             <a:sym typeface="Helvetica Light"/>
           </a:defRPr>
         </a:defPPr>
